--- a/Innovation in Transportation.pptx
+++ b/Innovation in Transportation.pptx
@@ -272,7 +272,7 @@
           <a:p>
             <a:fld id="{2919469F-BBF4-43EE-B19D-9C6A37415AF7}" type="datetimeFigureOut">
               <a:rPr lang="en-US" smtClean="0"/>
-              <a:t>10/8/2023</a:t>
+              <a:t>10/22/2023</a:t>
             </a:fld>
             <a:endParaRPr lang="en-US"/>
           </a:p>
@@ -470,7 +470,7 @@
           <a:p>
             <a:fld id="{2919469F-BBF4-43EE-B19D-9C6A37415AF7}" type="datetimeFigureOut">
               <a:rPr lang="en-US" smtClean="0"/>
-              <a:t>10/8/2023</a:t>
+              <a:t>10/22/2023</a:t>
             </a:fld>
             <a:endParaRPr lang="en-US"/>
           </a:p>
@@ -678,7 +678,7 @@
           <a:p>
             <a:fld id="{2919469F-BBF4-43EE-B19D-9C6A37415AF7}" type="datetimeFigureOut">
               <a:rPr lang="en-US" smtClean="0"/>
-              <a:t>10/8/2023</a:t>
+              <a:t>10/22/2023</a:t>
             </a:fld>
             <a:endParaRPr lang="en-US"/>
           </a:p>
@@ -876,7 +876,7 @@
           <a:p>
             <a:fld id="{2919469F-BBF4-43EE-B19D-9C6A37415AF7}" type="datetimeFigureOut">
               <a:rPr lang="en-US" smtClean="0"/>
-              <a:t>10/8/2023</a:t>
+              <a:t>10/22/2023</a:t>
             </a:fld>
             <a:endParaRPr lang="en-US"/>
           </a:p>
@@ -1151,7 +1151,7 @@
           <a:p>
             <a:fld id="{2919469F-BBF4-43EE-B19D-9C6A37415AF7}" type="datetimeFigureOut">
               <a:rPr lang="en-US" smtClean="0"/>
-              <a:t>10/8/2023</a:t>
+              <a:t>10/22/2023</a:t>
             </a:fld>
             <a:endParaRPr lang="en-US"/>
           </a:p>
@@ -1416,7 +1416,7 @@
           <a:p>
             <a:fld id="{2919469F-BBF4-43EE-B19D-9C6A37415AF7}" type="datetimeFigureOut">
               <a:rPr lang="en-US" smtClean="0"/>
-              <a:t>10/8/2023</a:t>
+              <a:t>10/22/2023</a:t>
             </a:fld>
             <a:endParaRPr lang="en-US"/>
           </a:p>
@@ -1828,7 +1828,7 @@
           <a:p>
             <a:fld id="{2919469F-BBF4-43EE-B19D-9C6A37415AF7}" type="datetimeFigureOut">
               <a:rPr lang="en-US" smtClean="0"/>
-              <a:t>10/8/2023</a:t>
+              <a:t>10/22/2023</a:t>
             </a:fld>
             <a:endParaRPr lang="en-US"/>
           </a:p>
@@ -1969,7 +1969,7 @@
           <a:p>
             <a:fld id="{2919469F-BBF4-43EE-B19D-9C6A37415AF7}" type="datetimeFigureOut">
               <a:rPr lang="en-US" smtClean="0"/>
-              <a:t>10/8/2023</a:t>
+              <a:t>10/22/2023</a:t>
             </a:fld>
             <a:endParaRPr lang="en-US"/>
           </a:p>
@@ -2082,7 +2082,7 @@
           <a:p>
             <a:fld id="{2919469F-BBF4-43EE-B19D-9C6A37415AF7}" type="datetimeFigureOut">
               <a:rPr lang="en-US" smtClean="0"/>
-              <a:t>10/8/2023</a:t>
+              <a:t>10/22/2023</a:t>
             </a:fld>
             <a:endParaRPr lang="en-US"/>
           </a:p>
@@ -2393,7 +2393,7 @@
           <a:p>
             <a:fld id="{2919469F-BBF4-43EE-B19D-9C6A37415AF7}" type="datetimeFigureOut">
               <a:rPr lang="en-US" smtClean="0"/>
-              <a:t>10/8/2023</a:t>
+              <a:t>10/22/2023</a:t>
             </a:fld>
             <a:endParaRPr lang="en-US"/>
           </a:p>
@@ -2681,7 +2681,7 @@
           <a:p>
             <a:fld id="{2919469F-BBF4-43EE-B19D-9C6A37415AF7}" type="datetimeFigureOut">
               <a:rPr lang="en-US" smtClean="0"/>
-              <a:t>10/8/2023</a:t>
+              <a:t>10/22/2023</a:t>
             </a:fld>
             <a:endParaRPr lang="en-US"/>
           </a:p>
@@ -2925,7 +2925,7 @@
           <a:p>
             <a:fld id="{2919469F-BBF4-43EE-B19D-9C6A37415AF7}" type="datetimeFigureOut">
               <a:rPr lang="en-US" smtClean="0"/>
-              <a:t>10/8/2023</a:t>
+              <a:t>10/22/2023</a:t>
             </a:fld>
             <a:endParaRPr lang="en-US"/>
           </a:p>
@@ -3397,31 +3397,33 @@
         </p:nvSpPr>
         <p:spPr>
           <a:xfrm>
-            <a:off x="1524000" y="4277899"/>
-            <a:ext cx="9144000" cy="1655762"/>
+            <a:off x="629478" y="4601329"/>
+            <a:ext cx="10933043" cy="1655762"/>
           </a:xfrm>
         </p:spPr>
         <p:txBody>
-          <a:bodyPr/>
+          <a:bodyPr>
+            <a:normAutofit lnSpcReduction="10000"/>
+          </a:bodyPr>
           <a:lstStyle/>
           <a:p>
             <a:r>
-              <a:rPr lang="en-US" b="1" dirty="0">
+              <a:rPr lang="en-US" dirty="0">
                 <a:solidFill>
                   <a:srgbClr val="FF0000"/>
                 </a:solidFill>
-                <a:latin typeface="Segoe UI Black" panose="020B0A02040204020203" pitchFamily="34" charset="0"/>
-                <a:ea typeface="Segoe UI Black" panose="020B0A02040204020203" pitchFamily="34" charset="0"/>
               </a:rPr>
-              <a:t>Track 2: </a:t>
-            </a:r>
+              <a:t>Groundbreaking solutions for smart and </a:t>
+            </a:r>
+          </a:p>
+          <a:p>
             <a:r>
               <a:rPr lang="en-US" dirty="0">
                 <a:solidFill>
                   <a:srgbClr val="FF0000"/>
                 </a:solidFill>
               </a:rPr>
-              <a:t>Optimizing Transportation Efficiency</a:t>
+              <a:t>sustainable urban mobility</a:t>
             </a:r>
           </a:p>
           <a:p>
